--- a/Daily Agendas/Day14.5_FrictionQuiz.pptx
+++ b/Daily Agendas/Day14.5_FrictionQuiz.pptx
@@ -3073,19 +3073,11 @@
           <a:p>
             <a:r>
               <a:rPr lang="en-CA" dirty="0" smtClean="0"/>
-              <a:t>Friction </a:t>
-            </a:r>
-            <a:r>
-              <a:rPr lang="en-CA" dirty="0" smtClean="0"/>
-              <a:t>Quiz </a:t>
+              <a:t>Friction Quiz </a:t>
             </a:r>
             <a:r>
               <a:rPr lang="en-US" dirty="0" smtClean="0"/>
-              <a:t>– Dec </a:t>
-            </a:r>
-            <a:r>
-              <a:rPr lang="en-US" dirty="0" smtClean="0"/>
-              <a:t>06</a:t>
+              <a:t>– Dec 06</a:t>
             </a:r>
             <a:r>
               <a:rPr lang="en-US" dirty="0"/>
@@ -3096,11 +3088,7 @@
             </a:br>
             <a:r>
               <a:rPr lang="en-US" sz="4000" dirty="0" smtClean="0"/>
-              <a:t>(Dynamics Day </a:t>
-            </a:r>
-            <a:r>
-              <a:rPr lang="en-US" sz="4000" dirty="0" smtClean="0"/>
-              <a:t>12)</a:t>
+              <a:t>(Dynamics Day 12)</a:t>
             </a:r>
             <a:endParaRPr lang="en-US" sz="4000" dirty="0"/>
           </a:p>
@@ -3119,7 +3107,7 @@
         <p:spPr/>
         <p:txBody>
           <a:bodyPr>
-            <a:normAutofit/>
+            <a:normAutofit fontScale="92500" lnSpcReduction="20000"/>
           </a:bodyPr>
           <a:lstStyle/>
           <a:p>
@@ -3131,8 +3119,12 @@
           <a:p>
             <a:pPr lvl="1"/>
             <a:r>
+              <a:rPr lang="en-CA" smtClean="0"/>
+              <a:t>Gravity &amp; Friction </a:t>
+            </a:r>
+            <a:r>
               <a:rPr lang="en-CA" dirty="0" smtClean="0"/>
-              <a:t>Friction Quiz</a:t>
+              <a:t>Quiz</a:t>
             </a:r>
           </a:p>
           <a:p>
@@ -3153,16 +3145,54 @@
             <a:pPr lvl="1"/>
             <a:r>
               <a:rPr lang="en-CA" dirty="0" smtClean="0"/>
-              <a:t>Mousetrap Report</a:t>
+              <a:t>Gravity &amp; Friction Practice</a:t>
             </a:r>
           </a:p>
           <a:p>
             <a:pPr lvl="2"/>
             <a:r>
               <a:rPr lang="en-CA" dirty="0" smtClean="0"/>
-              <a:t>Report Due End of Period</a:t>
+              <a:t>Worksheets</a:t>
             </a:r>
             <a:endParaRPr lang="en-CA" dirty="0" smtClean="0"/>
+          </a:p>
+          <a:p>
+            <a:pPr lvl="1"/>
+            <a:r>
+              <a:rPr lang="en-CA" dirty="0" smtClean="0"/>
+              <a:t>Mousetrap </a:t>
+            </a:r>
+            <a:r>
+              <a:rPr lang="en-CA" dirty="0" smtClean="0"/>
+              <a:t>Report</a:t>
+            </a:r>
+          </a:p>
+          <a:p>
+            <a:pPr lvl="2"/>
+            <a:r>
+              <a:rPr lang="en-CA" dirty="0" smtClean="0"/>
+              <a:t>Report Due End of </a:t>
+            </a:r>
+            <a:r>
+              <a:rPr lang="en-CA" dirty="0" smtClean="0"/>
+              <a:t>Period</a:t>
+            </a:r>
+          </a:p>
+          <a:p>
+            <a:pPr lvl="2"/>
+            <a:r>
+              <a:rPr lang="en-CA" dirty="0" smtClean="0">
+                <a:solidFill>
+                  <a:srgbClr val="FF0000"/>
+                </a:solidFill>
+              </a:rPr>
+              <a:t>Dropbox for Video – Next Week</a:t>
+            </a:r>
+            <a:endParaRPr lang="en-CA" dirty="0" smtClean="0">
+              <a:solidFill>
+                <a:srgbClr val="FF0000"/>
+              </a:solidFill>
+            </a:endParaRPr>
           </a:p>
           <a:p>
             <a:pPr lvl="2"/>
@@ -3183,15 +3213,7 @@
                   <a:srgbClr val="FF0000"/>
                 </a:solidFill>
               </a:rPr>
-              <a:t>Tue</a:t>
-            </a:r>
-            <a:r>
-              <a:rPr lang="en-CA" sz="2400" i="1" dirty="0" smtClean="0">
-                <a:solidFill>
-                  <a:srgbClr val="FF0000"/>
-                </a:solidFill>
-              </a:rPr>
-              <a:t>. Dec 10: Unit Test</a:t>
+              <a:t>Tue. Dec 10: Unit Test</a:t>
             </a:r>
           </a:p>
         </p:txBody>
